--- a/Lesssons learned from UseR! 2019.pptx
+++ b/Lesssons learned from UseR! 2019.pptx
@@ -18,6 +18,13 @@
     <p:sldId id="264" r:id="rId12"/>
     <p:sldId id="265" r:id="rId13"/>
     <p:sldId id="267" r:id="rId14"/>
+    <p:sldId id="270" r:id="rId15"/>
+    <p:sldId id="271" r:id="rId16"/>
+    <p:sldId id="272" r:id="rId17"/>
+    <p:sldId id="273" r:id="rId18"/>
+    <p:sldId id="275" r:id="rId19"/>
+    <p:sldId id="274" r:id="rId20"/>
+    <p:sldId id="276" r:id="rId21"/>
   </p:sldIdLst>
   <p:sldSz cx="9144000" cy="6858000" type="screen4x3"/>
   <p:notesSz cx="6858000" cy="9144000"/>
@@ -255,7 +262,7 @@
           <a:p>
             <a:fld id="{38733AB1-12B8-426D-9090-96C8B389987E}" type="datetimeFigureOut">
               <a:rPr lang="ca-ES" smtClean="0"/>
-              <a:t>20/9/2019</a:t>
+              <a:t>3/10/19</a:t>
             </a:fld>
             <a:endParaRPr lang="ca-ES"/>
           </a:p>
@@ -297,7 +304,7 @@
           <a:p>
             <a:fld id="{5682878C-5BE7-40B9-8E7D-A41E8B7779BD}" type="slidenum">
               <a:rPr lang="ca-ES" smtClean="0"/>
-              <a:t>‹Nº›</a:t>
+              <a:t>‹Nr.›</a:t>
             </a:fld>
             <a:endParaRPr lang="ca-ES"/>
           </a:p>
@@ -425,7 +432,7 @@
           <a:p>
             <a:fld id="{38733AB1-12B8-426D-9090-96C8B389987E}" type="datetimeFigureOut">
               <a:rPr lang="ca-ES" smtClean="0"/>
-              <a:t>20/9/2019</a:t>
+              <a:t>3/10/19</a:t>
             </a:fld>
             <a:endParaRPr lang="ca-ES"/>
           </a:p>
@@ -467,7 +474,7 @@
           <a:p>
             <a:fld id="{5682878C-5BE7-40B9-8E7D-A41E8B7779BD}" type="slidenum">
               <a:rPr lang="ca-ES" smtClean="0"/>
-              <a:t>‹Nº›</a:t>
+              <a:t>‹Nr.›</a:t>
             </a:fld>
             <a:endParaRPr lang="ca-ES"/>
           </a:p>
@@ -605,7 +612,7 @@
           <a:p>
             <a:fld id="{38733AB1-12B8-426D-9090-96C8B389987E}" type="datetimeFigureOut">
               <a:rPr lang="ca-ES" smtClean="0"/>
-              <a:t>20/9/2019</a:t>
+              <a:t>3/10/19</a:t>
             </a:fld>
             <a:endParaRPr lang="ca-ES"/>
           </a:p>
@@ -647,7 +654,7 @@
           <a:p>
             <a:fld id="{5682878C-5BE7-40B9-8E7D-A41E8B7779BD}" type="slidenum">
               <a:rPr lang="ca-ES" smtClean="0"/>
-              <a:t>‹Nº›</a:t>
+              <a:t>‹Nr.›</a:t>
             </a:fld>
             <a:endParaRPr lang="ca-ES"/>
           </a:p>
@@ -775,7 +782,7 @@
           <a:p>
             <a:fld id="{38733AB1-12B8-426D-9090-96C8B389987E}" type="datetimeFigureOut">
               <a:rPr lang="ca-ES" smtClean="0"/>
-              <a:t>20/9/2019</a:t>
+              <a:t>3/10/19</a:t>
             </a:fld>
             <a:endParaRPr lang="ca-ES"/>
           </a:p>
@@ -817,7 +824,7 @@
           <a:p>
             <a:fld id="{5682878C-5BE7-40B9-8E7D-A41E8B7779BD}" type="slidenum">
               <a:rPr lang="ca-ES" smtClean="0"/>
-              <a:t>‹Nº›</a:t>
+              <a:t>‹Nr.›</a:t>
             </a:fld>
             <a:endParaRPr lang="ca-ES"/>
           </a:p>
@@ -1019,7 +1026,7 @@
           <a:p>
             <a:fld id="{38733AB1-12B8-426D-9090-96C8B389987E}" type="datetimeFigureOut">
               <a:rPr lang="ca-ES" smtClean="0"/>
-              <a:t>20/9/2019</a:t>
+              <a:t>3/10/19</a:t>
             </a:fld>
             <a:endParaRPr lang="ca-ES"/>
           </a:p>
@@ -1061,7 +1068,7 @@
           <a:p>
             <a:fld id="{5682878C-5BE7-40B9-8E7D-A41E8B7779BD}" type="slidenum">
               <a:rPr lang="ca-ES" smtClean="0"/>
-              <a:t>‹Nº›</a:t>
+              <a:t>‹Nr.›</a:t>
             </a:fld>
             <a:endParaRPr lang="ca-ES"/>
           </a:p>
@@ -1251,7 +1258,7 @@
           <a:p>
             <a:fld id="{38733AB1-12B8-426D-9090-96C8B389987E}" type="datetimeFigureOut">
               <a:rPr lang="ca-ES" smtClean="0"/>
-              <a:t>20/9/2019</a:t>
+              <a:t>3/10/19</a:t>
             </a:fld>
             <a:endParaRPr lang="ca-ES"/>
           </a:p>
@@ -1293,7 +1300,7 @@
           <a:p>
             <a:fld id="{5682878C-5BE7-40B9-8E7D-A41E8B7779BD}" type="slidenum">
               <a:rPr lang="ca-ES" smtClean="0"/>
-              <a:t>‹Nº›</a:t>
+              <a:t>‹Nr.›</a:t>
             </a:fld>
             <a:endParaRPr lang="ca-ES"/>
           </a:p>
@@ -1618,7 +1625,7 @@
           <a:p>
             <a:fld id="{38733AB1-12B8-426D-9090-96C8B389987E}" type="datetimeFigureOut">
               <a:rPr lang="ca-ES" smtClean="0"/>
-              <a:t>20/9/2019</a:t>
+              <a:t>3/10/19</a:t>
             </a:fld>
             <a:endParaRPr lang="ca-ES"/>
           </a:p>
@@ -1660,7 +1667,7 @@
           <a:p>
             <a:fld id="{5682878C-5BE7-40B9-8E7D-A41E8B7779BD}" type="slidenum">
               <a:rPr lang="ca-ES" smtClean="0"/>
-              <a:t>‹Nº›</a:t>
+              <a:t>‹Nr.›</a:t>
             </a:fld>
             <a:endParaRPr lang="ca-ES"/>
           </a:p>
@@ -1736,7 +1743,7 @@
           <a:p>
             <a:fld id="{38733AB1-12B8-426D-9090-96C8B389987E}" type="datetimeFigureOut">
               <a:rPr lang="ca-ES" smtClean="0"/>
-              <a:t>20/9/2019</a:t>
+              <a:t>3/10/19</a:t>
             </a:fld>
             <a:endParaRPr lang="ca-ES"/>
           </a:p>
@@ -1778,7 +1785,7 @@
           <a:p>
             <a:fld id="{5682878C-5BE7-40B9-8E7D-A41E8B7779BD}" type="slidenum">
               <a:rPr lang="ca-ES" smtClean="0"/>
-              <a:t>‹Nº›</a:t>
+              <a:t>‹Nr.›</a:t>
             </a:fld>
             <a:endParaRPr lang="ca-ES"/>
           </a:p>
@@ -1831,7 +1838,7 @@
           <a:p>
             <a:fld id="{38733AB1-12B8-426D-9090-96C8B389987E}" type="datetimeFigureOut">
               <a:rPr lang="ca-ES" smtClean="0"/>
-              <a:t>20/9/2019</a:t>
+              <a:t>3/10/19</a:t>
             </a:fld>
             <a:endParaRPr lang="ca-ES"/>
           </a:p>
@@ -1873,7 +1880,7 @@
           <a:p>
             <a:fld id="{5682878C-5BE7-40B9-8E7D-A41E8B7779BD}" type="slidenum">
               <a:rPr lang="ca-ES" smtClean="0"/>
-              <a:t>‹Nº›</a:t>
+              <a:t>‹Nr.›</a:t>
             </a:fld>
             <a:endParaRPr lang="ca-ES"/>
           </a:p>
@@ -2108,7 +2115,7 @@
           <a:p>
             <a:fld id="{38733AB1-12B8-426D-9090-96C8B389987E}" type="datetimeFigureOut">
               <a:rPr lang="ca-ES" smtClean="0"/>
-              <a:t>20/9/2019</a:t>
+              <a:t>3/10/19</a:t>
             </a:fld>
             <a:endParaRPr lang="ca-ES"/>
           </a:p>
@@ -2150,7 +2157,7 @@
           <a:p>
             <a:fld id="{5682878C-5BE7-40B9-8E7D-A41E8B7779BD}" type="slidenum">
               <a:rPr lang="ca-ES" smtClean="0"/>
-              <a:t>‹Nº›</a:t>
+              <a:t>‹Nr.›</a:t>
             </a:fld>
             <a:endParaRPr lang="ca-ES"/>
           </a:p>
@@ -2365,7 +2372,7 @@
           <a:p>
             <a:fld id="{38733AB1-12B8-426D-9090-96C8B389987E}" type="datetimeFigureOut">
               <a:rPr lang="ca-ES" smtClean="0"/>
-              <a:t>20/9/2019</a:t>
+              <a:t>3/10/19</a:t>
             </a:fld>
             <a:endParaRPr lang="ca-ES"/>
           </a:p>
@@ -2407,7 +2414,7 @@
           <a:p>
             <a:fld id="{5682878C-5BE7-40B9-8E7D-A41E8B7779BD}" type="slidenum">
               <a:rPr lang="ca-ES" smtClean="0"/>
-              <a:t>‹Nº›</a:t>
+              <a:t>‹Nr.›</a:t>
             </a:fld>
             <a:endParaRPr lang="ca-ES"/>
           </a:p>
@@ -2578,7 +2585,7 @@
           <a:p>
             <a:fld id="{38733AB1-12B8-426D-9090-96C8B389987E}" type="datetimeFigureOut">
               <a:rPr lang="ca-ES" smtClean="0"/>
-              <a:t>20/9/2019</a:t>
+              <a:t>3/10/19</a:t>
             </a:fld>
             <a:endParaRPr lang="ca-ES"/>
           </a:p>
@@ -2656,7 +2663,7 @@
           <a:p>
             <a:fld id="{5682878C-5BE7-40B9-8E7D-A41E8B7779BD}" type="slidenum">
               <a:rPr lang="ca-ES" smtClean="0"/>
-              <a:t>‹Nº›</a:t>
+              <a:t>‹Nr.›</a:t>
             </a:fld>
             <a:endParaRPr lang="ca-ES"/>
           </a:p>
@@ -2988,7 +2995,7 @@
           <p:cNvPr id="2" name="Título 1">
             <a:extLst>
               <a:ext uri="{FF2B5EF4-FFF2-40B4-BE49-F238E27FC236}">
-                <a16:creationId xmlns:a16="http://schemas.microsoft.com/office/drawing/2014/main" id="{83D61A1B-0975-4028-9B4C-8852472F9E2D}"/>
+                <a16:creationId xmlns:a16="http://schemas.microsoft.com/office/drawing/2014/main" xmlns="" id="{83D61A1B-0975-4028-9B4C-8852472F9E2D}"/>
               </a:ext>
             </a:extLst>
           </p:cNvPr>
@@ -3044,7 +3051,7 @@
           <p:cNvPr id="3" name="Subtítulo 2">
             <a:extLst>
               <a:ext uri="{FF2B5EF4-FFF2-40B4-BE49-F238E27FC236}">
-                <a16:creationId xmlns:a16="http://schemas.microsoft.com/office/drawing/2014/main" id="{DBE0A9EF-359B-4870-B09E-41763173D77D}"/>
+                <a16:creationId xmlns:a16="http://schemas.microsoft.com/office/drawing/2014/main" xmlns="" id="{DBE0A9EF-359B-4870-B09E-41763173D77D}"/>
               </a:ext>
             </a:extLst>
           </p:cNvPr>
@@ -3108,7 +3115,7 @@
           <p:cNvPr id="5" name="Título 4">
             <a:extLst>
               <a:ext uri="{FF2B5EF4-FFF2-40B4-BE49-F238E27FC236}">
-                <a16:creationId xmlns:a16="http://schemas.microsoft.com/office/drawing/2014/main" id="{44D7261F-C74C-4FCA-84E9-DC333086FCD4}"/>
+                <a16:creationId xmlns:a16="http://schemas.microsoft.com/office/drawing/2014/main" xmlns="" id="{44D7261F-C74C-4FCA-84E9-DC333086FCD4}"/>
               </a:ext>
             </a:extLst>
           </p:cNvPr>
@@ -3156,7 +3163,7 @@
           <p:cNvPr id="6" name="Marcador de contenido 5">
             <a:extLst>
               <a:ext uri="{FF2B5EF4-FFF2-40B4-BE49-F238E27FC236}">
-                <a16:creationId xmlns:a16="http://schemas.microsoft.com/office/drawing/2014/main" id="{1FCC6B5A-A0E2-41F9-A36B-F39297483E95}"/>
+                <a16:creationId xmlns:a16="http://schemas.microsoft.com/office/drawing/2014/main" xmlns="" id="{1FCC6B5A-A0E2-41F9-A36B-F39297483E95}"/>
               </a:ext>
             </a:extLst>
           </p:cNvPr>
@@ -3425,7 +3432,7 @@
           <p:cNvPr id="2" name="Título 1">
             <a:extLst>
               <a:ext uri="{FF2B5EF4-FFF2-40B4-BE49-F238E27FC236}">
-                <a16:creationId xmlns:a16="http://schemas.microsoft.com/office/drawing/2014/main" id="{54DCD73A-2777-46BF-99C8-E53FC6C4A3D2}"/>
+                <a16:creationId xmlns:a16="http://schemas.microsoft.com/office/drawing/2014/main" xmlns="" id="{54DCD73A-2777-46BF-99C8-E53FC6C4A3D2}"/>
               </a:ext>
             </a:extLst>
           </p:cNvPr>
@@ -3473,7 +3480,7 @@
           <p:cNvPr id="3" name="Marcador de contenido 2">
             <a:extLst>
               <a:ext uri="{FF2B5EF4-FFF2-40B4-BE49-F238E27FC236}">
-                <a16:creationId xmlns:a16="http://schemas.microsoft.com/office/drawing/2014/main" id="{A8CCC76A-F04C-4995-86B2-62B0C6136FFE}"/>
+                <a16:creationId xmlns:a16="http://schemas.microsoft.com/office/drawing/2014/main" xmlns="" id="{A8CCC76A-F04C-4995-86B2-62B0C6136FFE}"/>
               </a:ext>
             </a:extLst>
           </p:cNvPr>
@@ -3580,7 +3587,7 @@
           <p:cNvPr id="2" name="Título 1">
             <a:extLst>
               <a:ext uri="{FF2B5EF4-FFF2-40B4-BE49-F238E27FC236}">
-                <a16:creationId xmlns:a16="http://schemas.microsoft.com/office/drawing/2014/main" id="{54DCD73A-2777-46BF-99C8-E53FC6C4A3D2}"/>
+                <a16:creationId xmlns:a16="http://schemas.microsoft.com/office/drawing/2014/main" xmlns="" id="{54DCD73A-2777-46BF-99C8-E53FC6C4A3D2}"/>
               </a:ext>
             </a:extLst>
           </p:cNvPr>
@@ -3628,7 +3635,7 @@
           <p:cNvPr id="3" name="Marcador de contenido 2">
             <a:extLst>
               <a:ext uri="{FF2B5EF4-FFF2-40B4-BE49-F238E27FC236}">
-                <a16:creationId xmlns:a16="http://schemas.microsoft.com/office/drawing/2014/main" id="{A8CCC76A-F04C-4995-86B2-62B0C6136FFE}"/>
+                <a16:creationId xmlns:a16="http://schemas.microsoft.com/office/drawing/2014/main" xmlns="" id="{A8CCC76A-F04C-4995-86B2-62B0C6136FFE}"/>
               </a:ext>
             </a:extLst>
           </p:cNvPr>
@@ -3760,7 +3767,7 @@
           <p:cNvPr id="2" name="Título 1">
             <a:extLst>
               <a:ext uri="{FF2B5EF4-FFF2-40B4-BE49-F238E27FC236}">
-                <a16:creationId xmlns:a16="http://schemas.microsoft.com/office/drawing/2014/main" id="{5626255B-9B46-4753-BED1-66C2A204BF03}"/>
+                <a16:creationId xmlns:a16="http://schemas.microsoft.com/office/drawing/2014/main" xmlns="" id="{5626255B-9B46-4753-BED1-66C2A204BF03}"/>
               </a:ext>
             </a:extLst>
           </p:cNvPr>
@@ -3792,7 +3799,7 @@
           <p:cNvPr id="3" name="Marcador de contenido 2">
             <a:extLst>
               <a:ext uri="{FF2B5EF4-FFF2-40B4-BE49-F238E27FC236}">
-                <a16:creationId xmlns:a16="http://schemas.microsoft.com/office/drawing/2014/main" id="{56A8B503-B49F-47EF-A025-27FF6B4F51DD}"/>
+                <a16:creationId xmlns:a16="http://schemas.microsoft.com/office/drawing/2014/main" xmlns="" id="{56A8B503-B49F-47EF-A025-27FF6B4F51DD}"/>
               </a:ext>
             </a:extLst>
           </p:cNvPr>
@@ -4127,6 +4134,1093 @@
   <p:clrMapOvr>
     <a:masterClrMapping/>
   </p:clrMapOvr>
+  <p:timing>
+    <p:tnLst>
+      <p:par>
+        <p:cTn id="1" dur="indefinite" restart="never" nodeType="tmRoot"/>
+      </p:par>
+    </p:tnLst>
+  </p:timing>
+</p:sld>
+</file>
+
+<file path=ppt/slides/slide14.xml><?xml version="1.0" encoding="utf-8"?>
+<p:sld xmlns:a="http://schemas.openxmlformats.org/drawingml/2006/main" xmlns:r="http://schemas.openxmlformats.org/officeDocument/2006/relationships" xmlns:p="http://schemas.openxmlformats.org/presentationml/2006/main">
+  <p:cSld>
+    <p:spTree>
+      <p:nvGrpSpPr>
+        <p:cNvPr id="1" name=""/>
+        <p:cNvGrpSpPr/>
+        <p:nvPr/>
+      </p:nvGrpSpPr>
+      <p:grpSpPr>
+        <a:xfrm>
+          <a:off x="0" y="0"/>
+          <a:ext cx="0" cy="0"/>
+          <a:chOff x="0" y="0"/>
+          <a:chExt cx="0" cy="0"/>
+        </a:xfrm>
+      </p:grpSpPr>
+      <p:sp>
+        <p:nvSpPr>
+          <p:cNvPr id="2" name="Título 1">
+            <a:extLst>
+              <a:ext uri="{FF2B5EF4-FFF2-40B4-BE49-F238E27FC236}">
+                <a16:creationId xmlns:a16="http://schemas.microsoft.com/office/drawing/2014/main" xmlns="" id="{5626255B-9B46-4753-BED1-66C2A204BF03}"/>
+              </a:ext>
+            </a:extLst>
+          </p:cNvPr>
+          <p:cNvSpPr>
+            <a:spLocks noGrp="1"/>
+          </p:cNvSpPr>
+          <p:nvPr>
+            <p:ph type="title"/>
+          </p:nvPr>
+        </p:nvSpPr>
+        <p:spPr/>
+        <p:txBody>
+          <a:bodyPr>
+            <a:normAutofit/>
+          </a:bodyPr>
+          <a:lstStyle/>
+          <a:p>
+            <a:r>
+              <a:rPr lang="ca-ES" b="1" dirty="0" err="1"/>
+              <a:t>R</a:t>
+            </a:r>
+            <a:r>
+              <a:rPr lang="ca-ES" b="1" dirty="0"/>
+              <a:t> for </a:t>
+            </a:r>
+            <a:r>
+              <a:rPr lang="ca-ES" b="1" dirty="0" err="1"/>
+              <a:t>better</a:t>
+            </a:r>
+            <a:r>
+              <a:rPr lang="ca-ES" b="1" dirty="0"/>
+              <a:t> </a:t>
+            </a:r>
+            <a:r>
+              <a:rPr lang="ca-ES" b="1" dirty="0" err="1"/>
+              <a:t>science</a:t>
+            </a:r>
+            <a:r>
+              <a:rPr lang="ca-ES" b="1" dirty="0"/>
+              <a:t> in </a:t>
+            </a:r>
+            <a:r>
+              <a:rPr lang="ca-ES" b="1" dirty="0" err="1"/>
+              <a:t>less</a:t>
+            </a:r>
+            <a:r>
+              <a:rPr lang="ca-ES" b="1" dirty="0"/>
+              <a:t> </a:t>
+            </a:r>
+            <a:r>
+              <a:rPr lang="ca-ES" b="1" dirty="0" err="1" smtClean="0"/>
+              <a:t>time</a:t>
+            </a:r>
+            <a:r>
+              <a:rPr lang="ca-ES" dirty="0" smtClean="0"/>
+              <a:t> </a:t>
+            </a:r>
+            <a:r>
+              <a:rPr lang="ca-ES" sz="3000" i="1" dirty="0" err="1" smtClean="0"/>
+              <a:t>by</a:t>
+            </a:r>
+            <a:r>
+              <a:rPr lang="ca-ES" sz="3000" i="1" dirty="0" smtClean="0"/>
+              <a:t> Julia </a:t>
+            </a:r>
+            <a:r>
+              <a:rPr lang="ca-ES" sz="3000" i="1" dirty="0"/>
+              <a:t>Stewart </a:t>
+            </a:r>
+            <a:r>
+              <a:rPr lang="ca-ES" sz="3000" i="1" dirty="0" err="1" smtClean="0"/>
+              <a:t>Lowndes</a:t>
+            </a:r>
+            <a:endParaRPr lang="ca-ES" sz="3000" i="1" dirty="0"/>
+          </a:p>
+        </p:txBody>
+      </p:sp>
+      <p:sp>
+        <p:nvSpPr>
+          <p:cNvPr id="3" name="Marcador de contenido 2">
+            <a:extLst>
+              <a:ext uri="{FF2B5EF4-FFF2-40B4-BE49-F238E27FC236}">
+                <a16:creationId xmlns:a16="http://schemas.microsoft.com/office/drawing/2014/main" xmlns="" id="{56A8B503-B49F-47EF-A025-27FF6B4F51DD}"/>
+              </a:ext>
+            </a:extLst>
+          </p:cNvPr>
+          <p:cNvSpPr>
+            <a:spLocks noGrp="1"/>
+          </p:cNvSpPr>
+          <p:nvPr>
+            <p:ph idx="1"/>
+          </p:nvPr>
+        </p:nvSpPr>
+        <p:spPr>
+          <a:xfrm>
+            <a:off x="628650" y="2139950"/>
+            <a:ext cx="7886700" cy="4351338"/>
+          </a:xfrm>
+        </p:spPr>
+        <p:txBody>
+          <a:bodyPr/>
+          <a:lstStyle/>
+          <a:p>
+            <a:r>
+              <a:rPr lang="ca-ES" dirty="0"/>
+              <a:t>1) Open data </a:t>
+            </a:r>
+            <a:r>
+              <a:rPr lang="ca-ES" dirty="0" err="1"/>
+              <a:t>science</a:t>
+            </a:r>
+            <a:r>
+              <a:rPr lang="ca-ES" dirty="0"/>
+              <a:t> is a </a:t>
+            </a:r>
+            <a:r>
+              <a:rPr lang="ca-ES" dirty="0" err="1" smtClean="0"/>
+              <a:t>mindset</a:t>
+            </a:r>
+            <a:r>
+              <a:rPr lang="ca-ES" dirty="0" smtClean="0"/>
+              <a:t> </a:t>
+            </a:r>
+          </a:p>
+          <a:p>
+            <a:endParaRPr lang="ca-ES" dirty="0" smtClean="0"/>
+          </a:p>
+          <a:p>
+            <a:r>
+              <a:rPr lang="ca-ES" dirty="0" smtClean="0"/>
+              <a:t>2) </a:t>
+            </a:r>
+            <a:r>
+              <a:rPr lang="ca-ES" dirty="0" err="1" smtClean="0"/>
+              <a:t>Teamwork</a:t>
+            </a:r>
+            <a:r>
+              <a:rPr lang="ca-ES" dirty="0" smtClean="0"/>
+              <a:t> </a:t>
+            </a:r>
+            <a:r>
+              <a:rPr lang="ca-ES" dirty="0" err="1"/>
+              <a:t>starts</a:t>
+            </a:r>
+            <a:r>
+              <a:rPr lang="ca-ES" dirty="0"/>
+              <a:t> </a:t>
+            </a:r>
+            <a:r>
+              <a:rPr lang="ca-ES" dirty="0" err="1"/>
+              <a:t>with</a:t>
+            </a:r>
+            <a:r>
+              <a:rPr lang="ca-ES" dirty="0"/>
+              <a:t> </a:t>
+            </a:r>
+            <a:r>
+              <a:rPr lang="ca-ES" dirty="0" err="1" smtClean="0"/>
+              <a:t>openness</a:t>
+            </a:r>
+            <a:endParaRPr lang="ca-ES" dirty="0" smtClean="0"/>
+          </a:p>
+          <a:p>
+            <a:endParaRPr lang="ca-ES" dirty="0" smtClean="0"/>
+          </a:p>
+          <a:p>
+            <a:r>
+              <a:rPr lang="ca-ES" dirty="0"/>
+              <a:t>3) </a:t>
+            </a:r>
+            <a:r>
+              <a:rPr lang="ca-ES" dirty="0" err="1"/>
+              <a:t>Harness</a:t>
+            </a:r>
+            <a:r>
+              <a:rPr lang="ca-ES" dirty="0"/>
+              <a:t> </a:t>
+            </a:r>
+            <a:r>
+              <a:rPr lang="ca-ES" dirty="0" err="1"/>
+              <a:t>the</a:t>
+            </a:r>
+            <a:r>
+              <a:rPr lang="ca-ES" dirty="0"/>
+              <a:t> </a:t>
+            </a:r>
+            <a:r>
+              <a:rPr lang="ca-ES" dirty="0" err="1"/>
+              <a:t>power</a:t>
+            </a:r>
+            <a:r>
+              <a:rPr lang="ca-ES" dirty="0"/>
+              <a:t> of </a:t>
+            </a:r>
+            <a:r>
+              <a:rPr lang="ca-ES" dirty="0" err="1"/>
+              <a:t>welcome</a:t>
+            </a:r>
+            <a:endParaRPr lang="ca-ES" dirty="0"/>
+          </a:p>
+        </p:txBody>
+      </p:sp>
+    </p:spTree>
+    <p:extLst>
+      <p:ext uri="{BB962C8B-B14F-4D97-AF65-F5344CB8AC3E}">
+        <p14:creationId xmlns:p14="http://schemas.microsoft.com/office/powerpoint/2010/main" val="1365180540"/>
+      </p:ext>
+    </p:extLst>
+  </p:cSld>
+  <p:clrMapOvr>
+    <a:masterClrMapping/>
+  </p:clrMapOvr>
+  <p:timing>
+    <p:tnLst>
+      <p:par>
+        <p:cTn id="1" dur="indefinite" restart="never" nodeType="tmRoot"/>
+      </p:par>
+    </p:tnLst>
+  </p:timing>
+</p:sld>
+</file>
+
+<file path=ppt/slides/slide15.xml><?xml version="1.0" encoding="utf-8"?>
+<p:sld xmlns:a="http://schemas.openxmlformats.org/drawingml/2006/main" xmlns:r="http://schemas.openxmlformats.org/officeDocument/2006/relationships" xmlns:p="http://schemas.openxmlformats.org/presentationml/2006/main">
+  <p:cSld>
+    <p:spTree>
+      <p:nvGrpSpPr>
+        <p:cNvPr id="1" name=""/>
+        <p:cNvGrpSpPr/>
+        <p:nvPr/>
+      </p:nvGrpSpPr>
+      <p:grpSpPr>
+        <a:xfrm>
+          <a:off x="0" y="0"/>
+          <a:ext cx="0" cy="0"/>
+          <a:chOff x="0" y="0"/>
+          <a:chExt cx="0" cy="0"/>
+        </a:xfrm>
+      </p:grpSpPr>
+      <p:pic>
+        <p:nvPicPr>
+          <p:cNvPr id="4" name="Imagen 3"/>
+          <p:cNvPicPr>
+            <a:picLocks noChangeAspect="1"/>
+          </p:cNvPicPr>
+          <p:nvPr/>
+        </p:nvPicPr>
+        <p:blipFill>
+          <a:blip r:embed="rId2">
+            <a:extLst>
+              <a:ext uri="{28A0092B-C50C-407E-A947-70E740481C1C}">
+                <a14:useLocalDpi xmlns:a14="http://schemas.microsoft.com/office/drawing/2010/main" val="0"/>
+              </a:ext>
+            </a:extLst>
+          </a:blip>
+          <a:stretch>
+            <a:fillRect/>
+          </a:stretch>
+        </p:blipFill>
+        <p:spPr>
+          <a:xfrm>
+            <a:off x="0" y="1270000"/>
+            <a:ext cx="9144000" cy="4314792"/>
+          </a:xfrm>
+          <a:prstGeom prst="rect">
+            <a:avLst/>
+          </a:prstGeom>
+        </p:spPr>
+      </p:pic>
+    </p:spTree>
+    <p:extLst>
+      <p:ext uri="{BB962C8B-B14F-4D97-AF65-F5344CB8AC3E}">
+        <p14:creationId xmlns:p14="http://schemas.microsoft.com/office/powerpoint/2010/main" val="1956297539"/>
+      </p:ext>
+    </p:extLst>
+  </p:cSld>
+  <p:clrMapOvr>
+    <a:masterClrMapping/>
+  </p:clrMapOvr>
+  <p:timing>
+    <p:tnLst>
+      <p:par>
+        <p:cTn id="1" dur="indefinite" restart="never" nodeType="tmRoot"/>
+      </p:par>
+    </p:tnLst>
+  </p:timing>
+</p:sld>
+</file>
+
+<file path=ppt/slides/slide16.xml><?xml version="1.0" encoding="utf-8"?>
+<p:sld xmlns:a="http://schemas.openxmlformats.org/drawingml/2006/main" xmlns:r="http://schemas.openxmlformats.org/officeDocument/2006/relationships" xmlns:p="http://schemas.openxmlformats.org/presentationml/2006/main">
+  <p:cSld>
+    <p:spTree>
+      <p:nvGrpSpPr>
+        <p:cNvPr id="1" name=""/>
+        <p:cNvGrpSpPr/>
+        <p:nvPr/>
+      </p:nvGrpSpPr>
+      <p:grpSpPr>
+        <a:xfrm>
+          <a:off x="0" y="0"/>
+          <a:ext cx="0" cy="0"/>
+          <a:chOff x="0" y="0"/>
+          <a:chExt cx="0" cy="0"/>
+        </a:xfrm>
+      </p:grpSpPr>
+      <p:pic>
+        <p:nvPicPr>
+          <p:cNvPr id="4" name="Imagen 3"/>
+          <p:cNvPicPr>
+            <a:picLocks noChangeAspect="1"/>
+          </p:cNvPicPr>
+          <p:nvPr/>
+        </p:nvPicPr>
+        <p:blipFill>
+          <a:blip r:embed="rId2">
+            <a:extLst>
+              <a:ext uri="{28A0092B-C50C-407E-A947-70E740481C1C}">
+                <a14:useLocalDpi xmlns:a14="http://schemas.microsoft.com/office/drawing/2010/main" val="0"/>
+              </a:ext>
+            </a:extLst>
+          </a:blip>
+          <a:stretch>
+            <a:fillRect/>
+          </a:stretch>
+        </p:blipFill>
+        <p:spPr>
+          <a:xfrm>
+            <a:off x="215900" y="482600"/>
+            <a:ext cx="8699500" cy="5892800"/>
+          </a:xfrm>
+          <a:prstGeom prst="rect">
+            <a:avLst/>
+          </a:prstGeom>
+        </p:spPr>
+      </p:pic>
+    </p:spTree>
+    <p:extLst>
+      <p:ext uri="{BB962C8B-B14F-4D97-AF65-F5344CB8AC3E}">
+        <p14:creationId xmlns:p14="http://schemas.microsoft.com/office/powerpoint/2010/main" val="463480570"/>
+      </p:ext>
+    </p:extLst>
+  </p:cSld>
+  <p:clrMapOvr>
+    <a:masterClrMapping/>
+  </p:clrMapOvr>
+  <p:timing>
+    <p:tnLst>
+      <p:par>
+        <p:cTn id="1" dur="indefinite" restart="never" nodeType="tmRoot"/>
+      </p:par>
+    </p:tnLst>
+  </p:timing>
+</p:sld>
+</file>
+
+<file path=ppt/slides/slide17.xml><?xml version="1.0" encoding="utf-8"?>
+<p:sld xmlns:a="http://schemas.openxmlformats.org/drawingml/2006/main" xmlns:r="http://schemas.openxmlformats.org/officeDocument/2006/relationships" xmlns:p="http://schemas.openxmlformats.org/presentationml/2006/main">
+  <p:cSld>
+    <p:spTree>
+      <p:nvGrpSpPr>
+        <p:cNvPr id="1" name=""/>
+        <p:cNvGrpSpPr/>
+        <p:nvPr/>
+      </p:nvGrpSpPr>
+      <p:grpSpPr>
+        <a:xfrm>
+          <a:off x="0" y="0"/>
+          <a:ext cx="0" cy="0"/>
+          <a:chOff x="0" y="0"/>
+          <a:chExt cx="0" cy="0"/>
+        </a:xfrm>
+      </p:grpSpPr>
+      <p:sp>
+        <p:nvSpPr>
+          <p:cNvPr id="2" name="Título 1"/>
+          <p:cNvSpPr>
+            <a:spLocks noGrp="1"/>
+          </p:cNvSpPr>
+          <p:nvPr>
+            <p:ph type="title"/>
+          </p:nvPr>
+        </p:nvSpPr>
+        <p:spPr/>
+        <p:txBody>
+          <a:bodyPr/>
+          <a:lstStyle/>
+          <a:p>
+            <a:r>
+              <a:rPr lang="es-ES_tradnl" dirty="0"/>
+              <a:t>Open data </a:t>
+            </a:r>
+            <a:r>
+              <a:rPr lang="es-ES_tradnl" dirty="0" err="1"/>
+              <a:t>science</a:t>
+            </a:r>
+            <a:r>
+              <a:rPr lang="es-ES_tradnl" dirty="0"/>
+              <a:t> </a:t>
+            </a:r>
+            <a:r>
+              <a:rPr lang="es-ES_tradnl" dirty="0" err="1"/>
+              <a:t>is</a:t>
+            </a:r>
+            <a:r>
+              <a:rPr lang="es-ES_tradnl" dirty="0"/>
+              <a:t> a </a:t>
+            </a:r>
+            <a:r>
+              <a:rPr lang="es-ES_tradnl" dirty="0" err="1"/>
+              <a:t>mindset</a:t>
+            </a:r>
+            <a:endParaRPr lang="es-ES_tradnl" dirty="0"/>
+          </a:p>
+        </p:txBody>
+      </p:sp>
+      <p:sp>
+        <p:nvSpPr>
+          <p:cNvPr id="3" name="Marcador de contenido 2"/>
+          <p:cNvSpPr>
+            <a:spLocks noGrp="1"/>
+          </p:cNvSpPr>
+          <p:nvPr>
+            <p:ph idx="1"/>
+          </p:nvPr>
+        </p:nvSpPr>
+        <p:spPr/>
+        <p:txBody>
+          <a:bodyPr>
+            <a:normAutofit lnSpcReduction="10000"/>
+          </a:bodyPr>
+          <a:lstStyle/>
+          <a:p>
+            <a:r>
+              <a:rPr lang="es-ES_tradnl" dirty="0" err="1" smtClean="0"/>
+              <a:t>Expect</a:t>
+            </a:r>
+            <a:r>
+              <a:rPr lang="es-ES_tradnl" dirty="0" smtClean="0"/>
+              <a:t> </a:t>
+            </a:r>
+            <a:r>
+              <a:rPr lang="es-ES_tradnl" dirty="0"/>
+              <a:t>a </a:t>
+            </a:r>
+            <a:r>
+              <a:rPr lang="es-ES_tradnl" dirty="0" err="1"/>
+              <a:t>better</a:t>
+            </a:r>
+            <a:r>
+              <a:rPr lang="es-ES_tradnl" dirty="0"/>
+              <a:t> </a:t>
+            </a:r>
+            <a:r>
+              <a:rPr lang="es-ES_tradnl" dirty="0" err="1"/>
+              <a:t>way</a:t>
+            </a:r>
+            <a:r>
+              <a:rPr lang="es-ES_tradnl" dirty="0"/>
+              <a:t>     </a:t>
+            </a:r>
+            <a:endParaRPr lang="es-ES_tradnl" dirty="0" smtClean="0"/>
+          </a:p>
+          <a:p>
+            <a:pPr lvl="1"/>
+            <a:r>
+              <a:rPr lang="es-ES_tradnl" dirty="0" smtClean="0"/>
+              <a:t>Data </a:t>
+            </a:r>
+            <a:r>
+              <a:rPr lang="es-ES_tradnl" dirty="0" err="1"/>
+              <a:t>science</a:t>
+            </a:r>
+            <a:r>
+              <a:rPr lang="es-ES_tradnl" dirty="0"/>
+              <a:t> </a:t>
+            </a:r>
+            <a:r>
+              <a:rPr lang="es-ES_tradnl" dirty="0" err="1"/>
+              <a:t>is</a:t>
+            </a:r>
+            <a:r>
+              <a:rPr lang="es-ES_tradnl" dirty="0"/>
+              <a:t> </a:t>
+            </a:r>
+            <a:r>
+              <a:rPr lang="es-ES_tradnl" dirty="0" err="1"/>
+              <a:t>the</a:t>
+            </a:r>
+            <a:r>
+              <a:rPr lang="es-ES_tradnl" dirty="0"/>
+              <a:t> discipline of </a:t>
+            </a:r>
+            <a:r>
+              <a:rPr lang="es-ES_tradnl" dirty="0" err="1"/>
+              <a:t>turning</a:t>
+            </a:r>
+            <a:r>
+              <a:rPr lang="es-ES_tradnl" dirty="0"/>
+              <a:t> </a:t>
+            </a:r>
+            <a:r>
+              <a:rPr lang="es-ES_tradnl" dirty="0" err="1"/>
+              <a:t>raw</a:t>
+            </a:r>
+            <a:r>
+              <a:rPr lang="es-ES_tradnl" dirty="0"/>
+              <a:t> data </a:t>
+            </a:r>
+            <a:r>
+              <a:rPr lang="es-ES_tradnl" dirty="0" err="1"/>
+              <a:t>into</a:t>
+            </a:r>
+            <a:r>
+              <a:rPr lang="es-ES_tradnl" dirty="0"/>
+              <a:t> </a:t>
+            </a:r>
+            <a:r>
+              <a:rPr lang="es-ES_tradnl" dirty="0" err="1"/>
+              <a:t>understanding</a:t>
+            </a:r>
+            <a:r>
+              <a:rPr lang="es-ES_tradnl" dirty="0"/>
+              <a:t> </a:t>
+            </a:r>
+            <a:endParaRPr lang="es-ES_tradnl" dirty="0" smtClean="0"/>
+          </a:p>
+          <a:p>
+            <a:pPr lvl="1"/>
+            <a:endParaRPr lang="es-ES_tradnl" dirty="0"/>
+          </a:p>
+          <a:p>
+            <a:pPr lvl="1"/>
+            <a:endParaRPr lang="es-ES_tradnl" dirty="0" smtClean="0"/>
+          </a:p>
+          <a:p>
+            <a:pPr lvl="1"/>
+            <a:endParaRPr lang="es-ES_tradnl" dirty="0"/>
+          </a:p>
+          <a:p>
+            <a:pPr lvl="1"/>
+            <a:endParaRPr lang="es-ES_tradnl" dirty="0" smtClean="0"/>
+          </a:p>
+          <a:p>
+            <a:pPr lvl="1"/>
+            <a:endParaRPr lang="es-ES_tradnl" dirty="0" smtClean="0"/>
+          </a:p>
+          <a:p>
+            <a:r>
+              <a:rPr lang="es-ES_tradnl" dirty="0" err="1" smtClean="0"/>
+              <a:t>Build</a:t>
+            </a:r>
+            <a:r>
+              <a:rPr lang="es-ES_tradnl" dirty="0" smtClean="0"/>
+              <a:t> </a:t>
+            </a:r>
+            <a:r>
+              <a:rPr lang="es-ES_tradnl" dirty="0" err="1"/>
+              <a:t>confidence</a:t>
+            </a:r>
+            <a:r>
+              <a:rPr lang="es-ES_tradnl" dirty="0"/>
+              <a:t> &amp; </a:t>
+            </a:r>
+            <a:r>
+              <a:rPr lang="es-ES_tradnl" dirty="0" err="1" smtClean="0"/>
+              <a:t>willingness</a:t>
+            </a:r>
+            <a:r>
+              <a:rPr lang="es-ES_tradnl" dirty="0" smtClean="0"/>
+              <a:t>:</a:t>
+            </a:r>
+          </a:p>
+          <a:p>
+            <a:pPr lvl="1"/>
+            <a:r>
+              <a:rPr lang="es-ES_tradnl" dirty="0" smtClean="0"/>
+              <a:t>Open </a:t>
+            </a:r>
+            <a:r>
+              <a:rPr lang="es-ES_tradnl" dirty="0" err="1"/>
+              <a:t>science</a:t>
+            </a:r>
+            <a:r>
+              <a:rPr lang="es-ES_tradnl" dirty="0"/>
+              <a:t> </a:t>
+            </a:r>
+            <a:r>
+              <a:rPr lang="es-ES_tradnl" dirty="0" err="1"/>
+              <a:t>is</a:t>
+            </a:r>
+            <a:r>
+              <a:rPr lang="es-ES_tradnl" dirty="0"/>
+              <a:t> </a:t>
+            </a:r>
+            <a:r>
+              <a:rPr lang="es-ES_tradnl" dirty="0" err="1"/>
+              <a:t>the</a:t>
+            </a:r>
+            <a:r>
+              <a:rPr lang="es-ES_tradnl" dirty="0"/>
+              <a:t> concept of </a:t>
+            </a:r>
+            <a:r>
+              <a:rPr lang="es-ES_tradnl" dirty="0" err="1"/>
+              <a:t>transparency</a:t>
+            </a:r>
+            <a:r>
+              <a:rPr lang="es-ES_tradnl" dirty="0"/>
+              <a:t> </a:t>
+            </a:r>
+            <a:r>
+              <a:rPr lang="es-ES_tradnl" b="1" dirty="0"/>
+              <a:t>at </a:t>
+            </a:r>
+            <a:r>
+              <a:rPr lang="es-ES_tradnl" b="1" dirty="0" err="1"/>
+              <a:t>all</a:t>
+            </a:r>
+            <a:r>
+              <a:rPr lang="es-ES_tradnl" b="1" dirty="0"/>
+              <a:t> </a:t>
+            </a:r>
+            <a:r>
+              <a:rPr lang="es-ES_tradnl" b="1" dirty="0" err="1"/>
+              <a:t>stages</a:t>
+            </a:r>
+            <a:r>
+              <a:rPr lang="es-ES_tradnl" b="1" dirty="0"/>
+              <a:t> of </a:t>
+            </a:r>
+            <a:r>
+              <a:rPr lang="es-ES_tradnl" b="1" dirty="0" err="1"/>
+              <a:t>the</a:t>
+            </a:r>
+            <a:r>
+              <a:rPr lang="es-ES_tradnl" b="1" dirty="0"/>
+              <a:t> </a:t>
+            </a:r>
+            <a:r>
+              <a:rPr lang="es-ES_tradnl" b="1" dirty="0" err="1"/>
+              <a:t>research</a:t>
+            </a:r>
+            <a:r>
+              <a:rPr lang="es-ES_tradnl" b="1" dirty="0"/>
+              <a:t> </a:t>
+            </a:r>
+            <a:r>
+              <a:rPr lang="es-ES_tradnl" b="1" dirty="0" err="1"/>
+              <a:t>process</a:t>
+            </a:r>
+            <a:r>
+              <a:rPr lang="es-ES_tradnl" dirty="0"/>
+              <a:t>, </a:t>
+            </a:r>
+            <a:r>
+              <a:rPr lang="es-ES_tradnl" dirty="0" err="1"/>
+              <a:t>coupled</a:t>
+            </a:r>
+            <a:r>
+              <a:rPr lang="es-ES_tradnl" dirty="0"/>
+              <a:t> </a:t>
+            </a:r>
+            <a:r>
+              <a:rPr lang="es-ES_tradnl" dirty="0" err="1"/>
+              <a:t>with</a:t>
+            </a:r>
+            <a:r>
+              <a:rPr lang="es-ES_tradnl" dirty="0"/>
+              <a:t> free and open </a:t>
+            </a:r>
+            <a:r>
+              <a:rPr lang="es-ES_tradnl" dirty="0" err="1"/>
+              <a:t>access</a:t>
+            </a:r>
+            <a:r>
+              <a:rPr lang="es-ES_tradnl" dirty="0"/>
+              <a:t> to data, </a:t>
+            </a:r>
+            <a:r>
+              <a:rPr lang="es-ES_tradnl" dirty="0" err="1"/>
+              <a:t>code</a:t>
+            </a:r>
+            <a:r>
+              <a:rPr lang="es-ES_tradnl" dirty="0"/>
+              <a:t> and </a:t>
+            </a:r>
+            <a:r>
+              <a:rPr lang="es-ES_tradnl" dirty="0" err="1"/>
+              <a:t>papers</a:t>
+            </a:r>
+            <a:r>
+              <a:rPr lang="es-ES_tradnl" dirty="0"/>
+              <a:t> </a:t>
+            </a:r>
+            <a:endParaRPr lang="es-ES_tradnl" dirty="0" smtClean="0"/>
+          </a:p>
+          <a:p>
+            <a:pPr marL="457200" lvl="1" indent="0">
+              <a:buNone/>
+            </a:pPr>
+            <a:endParaRPr lang="es-ES_tradnl" dirty="0"/>
+          </a:p>
+        </p:txBody>
+      </p:sp>
+      <p:pic>
+        <p:nvPicPr>
+          <p:cNvPr id="5" name="Imagen 4"/>
+          <p:cNvPicPr>
+            <a:picLocks noChangeAspect="1"/>
+          </p:cNvPicPr>
+          <p:nvPr/>
+        </p:nvPicPr>
+        <p:blipFill>
+          <a:blip r:embed="rId2">
+            <a:extLst>
+              <a:ext uri="{28A0092B-C50C-407E-A947-70E740481C1C}">
+                <a14:useLocalDpi xmlns:a14="http://schemas.microsoft.com/office/drawing/2010/main" val="0"/>
+              </a:ext>
+            </a:extLst>
+          </a:blip>
+          <a:stretch>
+            <a:fillRect/>
+          </a:stretch>
+        </p:blipFill>
+        <p:spPr>
+          <a:xfrm>
+            <a:off x="2405539" y="2928144"/>
+            <a:ext cx="4052411" cy="1592100"/>
+          </a:xfrm>
+          <a:prstGeom prst="rect">
+            <a:avLst/>
+          </a:prstGeom>
+        </p:spPr>
+      </p:pic>
+    </p:spTree>
+    <p:extLst>
+      <p:ext uri="{BB962C8B-B14F-4D97-AF65-F5344CB8AC3E}">
+        <p14:creationId xmlns:p14="http://schemas.microsoft.com/office/powerpoint/2010/main" val="603570492"/>
+      </p:ext>
+    </p:extLst>
+  </p:cSld>
+  <p:clrMapOvr>
+    <a:masterClrMapping/>
+  </p:clrMapOvr>
+  <p:timing>
+    <p:tnLst>
+      <p:par>
+        <p:cTn id="1" dur="indefinite" restart="never" nodeType="tmRoot"/>
+      </p:par>
+    </p:tnLst>
+  </p:timing>
+</p:sld>
+</file>
+
+<file path=ppt/slides/slide18.xml><?xml version="1.0" encoding="utf-8"?>
+<p:sld xmlns:a="http://schemas.openxmlformats.org/drawingml/2006/main" xmlns:r="http://schemas.openxmlformats.org/officeDocument/2006/relationships" xmlns:p="http://schemas.openxmlformats.org/presentationml/2006/main">
+  <p:cSld>
+    <p:spTree>
+      <p:nvGrpSpPr>
+        <p:cNvPr id="1" name=""/>
+        <p:cNvGrpSpPr/>
+        <p:nvPr/>
+      </p:nvGrpSpPr>
+      <p:grpSpPr>
+        <a:xfrm>
+          <a:off x="0" y="0"/>
+          <a:ext cx="0" cy="0"/>
+          <a:chOff x="0" y="0"/>
+          <a:chExt cx="0" cy="0"/>
+        </a:xfrm>
+      </p:grpSpPr>
+      <p:sp>
+        <p:nvSpPr>
+          <p:cNvPr id="2" name="Título 1"/>
+          <p:cNvSpPr>
+            <a:spLocks noGrp="1"/>
+          </p:cNvSpPr>
+          <p:nvPr>
+            <p:ph type="title"/>
+          </p:nvPr>
+        </p:nvSpPr>
+        <p:spPr/>
+        <p:txBody>
+          <a:bodyPr/>
+          <a:lstStyle/>
+          <a:p>
+            <a:r>
+              <a:rPr lang="es-ES_tradnl" dirty="0"/>
+              <a:t>Open data </a:t>
+            </a:r>
+            <a:r>
+              <a:rPr lang="es-ES_tradnl" dirty="0" err="1"/>
+              <a:t>science</a:t>
+            </a:r>
+            <a:r>
+              <a:rPr lang="es-ES_tradnl" dirty="0"/>
+              <a:t> </a:t>
+            </a:r>
+            <a:r>
+              <a:rPr lang="es-ES_tradnl" dirty="0" err="1"/>
+              <a:t>is</a:t>
+            </a:r>
+            <a:r>
+              <a:rPr lang="es-ES_tradnl" dirty="0"/>
+              <a:t> a </a:t>
+            </a:r>
+            <a:r>
+              <a:rPr lang="es-ES_tradnl" dirty="0" err="1"/>
+              <a:t>mindset</a:t>
+            </a:r>
+            <a:r>
+              <a:rPr lang="es-ES_tradnl" dirty="0"/>
+              <a:t/>
+            </a:r>
+            <a:br>
+              <a:rPr lang="es-ES_tradnl" dirty="0"/>
+            </a:br>
+            <a:endParaRPr lang="es-ES_tradnl" dirty="0"/>
+          </a:p>
+        </p:txBody>
+      </p:sp>
+      <p:sp>
+        <p:nvSpPr>
+          <p:cNvPr id="3" name="Marcador de contenido 2"/>
+          <p:cNvSpPr>
+            <a:spLocks noGrp="1"/>
+          </p:cNvSpPr>
+          <p:nvPr>
+            <p:ph idx="1"/>
+          </p:nvPr>
+        </p:nvSpPr>
+        <p:spPr/>
+        <p:txBody>
+          <a:bodyPr/>
+          <a:lstStyle/>
+          <a:p>
+            <a:r>
+              <a:rPr lang="es-ES_tradnl" dirty="0" err="1"/>
+              <a:t>Reimagine</a:t>
+            </a:r>
+            <a:r>
+              <a:rPr lang="es-ES_tradnl" dirty="0"/>
+              <a:t> </a:t>
+            </a:r>
+            <a:r>
+              <a:rPr lang="es-ES_tradnl" dirty="0" err="1"/>
+              <a:t>science</a:t>
+            </a:r>
+            <a:r>
+              <a:rPr lang="es-ES_tradnl" dirty="0"/>
+              <a:t> </a:t>
+            </a:r>
+            <a:r>
+              <a:rPr lang="es-ES_tradnl" dirty="0" err="1"/>
+              <a:t>communication</a:t>
+            </a:r>
+            <a:endParaRPr lang="es-ES_tradnl" dirty="0"/>
+          </a:p>
+          <a:p>
+            <a:endParaRPr lang="es-ES_tradnl" dirty="0"/>
+          </a:p>
+        </p:txBody>
+      </p:sp>
+      <p:pic>
+        <p:nvPicPr>
+          <p:cNvPr id="5" name="Imagen 4"/>
+          <p:cNvPicPr>
+            <a:picLocks noChangeAspect="1"/>
+          </p:cNvPicPr>
+          <p:nvPr/>
+        </p:nvPicPr>
+        <p:blipFill>
+          <a:blip r:embed="rId2">
+            <a:extLst>
+              <a:ext uri="{28A0092B-C50C-407E-A947-70E740481C1C}">
+                <a14:useLocalDpi xmlns:a14="http://schemas.microsoft.com/office/drawing/2010/main" val="0"/>
+              </a:ext>
+            </a:extLst>
+          </a:blip>
+          <a:stretch>
+            <a:fillRect/>
+          </a:stretch>
+        </p:blipFill>
+        <p:spPr>
+          <a:xfrm>
+            <a:off x="2114550" y="2617403"/>
+            <a:ext cx="4914900" cy="3694496"/>
+          </a:xfrm>
+          <a:prstGeom prst="rect">
+            <a:avLst/>
+          </a:prstGeom>
+        </p:spPr>
+      </p:pic>
+    </p:spTree>
+    <p:extLst>
+      <p:ext uri="{BB962C8B-B14F-4D97-AF65-F5344CB8AC3E}">
+        <p14:creationId xmlns:p14="http://schemas.microsoft.com/office/powerpoint/2010/main" val="352118606"/>
+      </p:ext>
+    </p:extLst>
+  </p:cSld>
+  <p:clrMapOvr>
+    <a:masterClrMapping/>
+  </p:clrMapOvr>
+  <p:timing>
+    <p:tnLst>
+      <p:par>
+        <p:cTn id="1" dur="indefinite" restart="never" nodeType="tmRoot"/>
+      </p:par>
+    </p:tnLst>
+  </p:timing>
+</p:sld>
+</file>
+
+<file path=ppt/slides/slide19.xml><?xml version="1.0" encoding="utf-8"?>
+<p:sld xmlns:a="http://schemas.openxmlformats.org/drawingml/2006/main" xmlns:r="http://schemas.openxmlformats.org/officeDocument/2006/relationships" xmlns:p="http://schemas.openxmlformats.org/presentationml/2006/main">
+  <p:cSld>
+    <p:spTree>
+      <p:nvGrpSpPr>
+        <p:cNvPr id="1" name=""/>
+        <p:cNvGrpSpPr/>
+        <p:nvPr/>
+      </p:nvGrpSpPr>
+      <p:grpSpPr>
+        <a:xfrm>
+          <a:off x="0" y="0"/>
+          <a:ext cx="0" cy="0"/>
+          <a:chOff x="0" y="0"/>
+          <a:chExt cx="0" cy="0"/>
+        </a:xfrm>
+      </p:grpSpPr>
+      <p:sp>
+        <p:nvSpPr>
+          <p:cNvPr id="2" name="Título 1"/>
+          <p:cNvSpPr>
+            <a:spLocks noGrp="1"/>
+          </p:cNvSpPr>
+          <p:nvPr>
+            <p:ph type="title"/>
+          </p:nvPr>
+        </p:nvSpPr>
+        <p:spPr/>
+        <p:txBody>
+          <a:bodyPr/>
+          <a:lstStyle/>
+          <a:p>
+            <a:r>
+              <a:rPr lang="es-ES_tradnl" dirty="0" err="1"/>
+              <a:t>Teamwork</a:t>
+            </a:r>
+            <a:r>
+              <a:rPr lang="es-ES_tradnl" dirty="0"/>
+              <a:t> </a:t>
+            </a:r>
+            <a:r>
+              <a:rPr lang="es-ES_tradnl" dirty="0" err="1"/>
+              <a:t>starts</a:t>
+            </a:r>
+            <a:r>
+              <a:rPr lang="es-ES_tradnl" dirty="0"/>
+              <a:t> </a:t>
+            </a:r>
+            <a:r>
+              <a:rPr lang="es-ES_tradnl" dirty="0" err="1"/>
+              <a:t>with</a:t>
+            </a:r>
+            <a:r>
+              <a:rPr lang="es-ES_tradnl" dirty="0"/>
+              <a:t> </a:t>
+            </a:r>
+            <a:r>
+              <a:rPr lang="es-ES_tradnl" dirty="0" err="1"/>
+              <a:t>openness</a:t>
+            </a:r>
+            <a:endParaRPr lang="es-ES_tradnl" dirty="0"/>
+          </a:p>
+        </p:txBody>
+      </p:sp>
+      <p:sp>
+        <p:nvSpPr>
+          <p:cNvPr id="3" name="Marcador de contenido 2"/>
+          <p:cNvSpPr>
+            <a:spLocks noGrp="1"/>
+          </p:cNvSpPr>
+          <p:nvPr>
+            <p:ph idx="1"/>
+          </p:nvPr>
+        </p:nvSpPr>
+        <p:spPr/>
+        <p:txBody>
+          <a:bodyPr/>
+          <a:lstStyle/>
+          <a:p>
+            <a:r>
+              <a:rPr lang="es-ES_tradnl" dirty="0" err="1" smtClean="0"/>
+              <a:t>Working</a:t>
+            </a:r>
+            <a:r>
+              <a:rPr lang="es-ES_tradnl" dirty="0" smtClean="0"/>
+              <a:t> </a:t>
+            </a:r>
+            <a:r>
+              <a:rPr lang="es-ES_tradnl" dirty="0" err="1" smtClean="0"/>
+              <a:t>openly</a:t>
+            </a:r>
+            <a:endParaRPr lang="es-ES_tradnl" dirty="0" smtClean="0"/>
+          </a:p>
+          <a:p>
+            <a:endParaRPr lang="es-ES_tradnl" dirty="0"/>
+          </a:p>
+          <a:p>
+            <a:r>
+              <a:rPr lang="es-ES_tradnl" dirty="0" smtClean="0"/>
+              <a:t>Vertical </a:t>
+            </a:r>
+            <a:r>
+              <a:rPr lang="es-ES_tradnl" dirty="0"/>
+              <a:t>&amp; horizontal </a:t>
+            </a:r>
+            <a:r>
+              <a:rPr lang="es-ES_tradnl" dirty="0" err="1" smtClean="0"/>
+              <a:t>leadership</a:t>
+            </a:r>
+            <a:endParaRPr lang="es-ES_tradnl" dirty="0" smtClean="0"/>
+          </a:p>
+          <a:p>
+            <a:endParaRPr lang="es-ES_tradnl" dirty="0"/>
+          </a:p>
+          <a:p>
+            <a:r>
+              <a:rPr lang="es-ES_tradnl" dirty="0" err="1" smtClean="0"/>
+              <a:t>Community</a:t>
+            </a:r>
+            <a:endParaRPr lang="es-ES_tradnl" dirty="0"/>
+          </a:p>
+        </p:txBody>
+      </p:sp>
+    </p:spTree>
+    <p:extLst>
+      <p:ext uri="{BB962C8B-B14F-4D97-AF65-F5344CB8AC3E}">
+        <p14:creationId xmlns:p14="http://schemas.microsoft.com/office/powerpoint/2010/main" val="990892921"/>
+      </p:ext>
+    </p:extLst>
+  </p:cSld>
+  <p:clrMapOvr>
+    <a:masterClrMapping/>
+  </p:clrMapOvr>
+  <p:timing>
+    <p:tnLst>
+      <p:par>
+        <p:cTn id="1" dur="indefinite" restart="never" nodeType="tmRoot"/>
+      </p:par>
+    </p:tnLst>
+  </p:timing>
 </p:sld>
 </file>
 
@@ -4152,7 +5246,7 @@
           <p:cNvPr id="2" name="Título 1">
             <a:extLst>
               <a:ext uri="{FF2B5EF4-FFF2-40B4-BE49-F238E27FC236}">
-                <a16:creationId xmlns:a16="http://schemas.microsoft.com/office/drawing/2014/main" id="{E2B009CD-12BF-4B87-A3D5-40486B3BB4C5}"/>
+                <a16:creationId xmlns:a16="http://schemas.microsoft.com/office/drawing/2014/main" xmlns="" id="{E2B009CD-12BF-4B87-A3D5-40486B3BB4C5}"/>
               </a:ext>
             </a:extLst>
           </p:cNvPr>
@@ -4197,7 +5291,7 @@
           <p:cNvPr id="3" name="Marcador de contenido 2">
             <a:extLst>
               <a:ext uri="{FF2B5EF4-FFF2-40B4-BE49-F238E27FC236}">
-                <a16:creationId xmlns:a16="http://schemas.microsoft.com/office/drawing/2014/main" id="{924E4685-228E-4032-AD39-2901AF72783B}"/>
+                <a16:creationId xmlns:a16="http://schemas.microsoft.com/office/drawing/2014/main" xmlns="" id="{924E4685-228E-4032-AD39-2901AF72783B}"/>
               </a:ext>
             </a:extLst>
           </p:cNvPr>
@@ -4521,6 +5615,85 @@
     <p:extLst>
       <p:ext uri="{BB962C8B-B14F-4D97-AF65-F5344CB8AC3E}">
         <p14:creationId xmlns:p14="http://schemas.microsoft.com/office/powerpoint/2010/main" val="3211615963"/>
+      </p:ext>
+    </p:extLst>
+  </p:cSld>
+  <p:clrMapOvr>
+    <a:masterClrMapping/>
+  </p:clrMapOvr>
+</p:sld>
+</file>
+
+<file path=ppt/slides/slide20.xml><?xml version="1.0" encoding="utf-8"?>
+<p:sld xmlns:a="http://schemas.openxmlformats.org/drawingml/2006/main" xmlns:r="http://schemas.openxmlformats.org/officeDocument/2006/relationships" xmlns:p="http://schemas.openxmlformats.org/presentationml/2006/main">
+  <p:cSld>
+    <p:spTree>
+      <p:nvGrpSpPr>
+        <p:cNvPr id="1" name=""/>
+        <p:cNvGrpSpPr/>
+        <p:nvPr/>
+      </p:nvGrpSpPr>
+      <p:grpSpPr>
+        <a:xfrm>
+          <a:off x="0" y="0"/>
+          <a:ext cx="0" cy="0"/>
+          <a:chOff x="0" y="0"/>
+          <a:chExt cx="0" cy="0"/>
+        </a:xfrm>
+      </p:grpSpPr>
+      <p:sp>
+        <p:nvSpPr>
+          <p:cNvPr id="2" name="Título 1"/>
+          <p:cNvSpPr>
+            <a:spLocks noGrp="1"/>
+          </p:cNvSpPr>
+          <p:nvPr>
+            <p:ph type="title"/>
+          </p:nvPr>
+        </p:nvSpPr>
+        <p:spPr>
+          <a:xfrm>
+            <a:off x="700088" y="2808289"/>
+            <a:ext cx="7886700" cy="1325563"/>
+          </a:xfrm>
+        </p:spPr>
+        <p:txBody>
+          <a:bodyPr/>
+          <a:lstStyle/>
+          <a:p>
+            <a:pPr algn="ctr"/>
+            <a:r>
+              <a:rPr lang="es-ES_tradnl" dirty="0" err="1" smtClean="0"/>
+              <a:t>Thank</a:t>
+            </a:r>
+            <a:r>
+              <a:rPr lang="es-ES_tradnl" dirty="0" smtClean="0"/>
+              <a:t> </a:t>
+            </a:r>
+            <a:r>
+              <a:rPr lang="es-ES_tradnl" dirty="0" err="1" smtClean="0"/>
+              <a:t>you</a:t>
+            </a:r>
+            <a:r>
+              <a:rPr lang="es-ES_tradnl" dirty="0" smtClean="0"/>
+              <a:t> </a:t>
+            </a:r>
+            <a:r>
+              <a:rPr lang="es-ES_tradnl" dirty="0" err="1" smtClean="0"/>
+              <a:t>all</a:t>
+            </a:r>
+            <a:r>
+              <a:rPr lang="es-ES_tradnl" dirty="0" smtClean="0"/>
+              <a:t>!</a:t>
+            </a:r>
+            <a:endParaRPr lang="es-ES_tradnl" dirty="0"/>
+          </a:p>
+        </p:txBody>
+      </p:sp>
+    </p:spTree>
+    <p:extLst>
+      <p:ext uri="{BB962C8B-B14F-4D97-AF65-F5344CB8AC3E}">
+        <p14:creationId xmlns:p14="http://schemas.microsoft.com/office/powerpoint/2010/main" val="1501252996"/>
       </p:ext>
     </p:extLst>
   </p:cSld>
@@ -4552,7 +5725,7 @@
           <p:cNvPr id="2" name="Título 1">
             <a:extLst>
               <a:ext uri="{FF2B5EF4-FFF2-40B4-BE49-F238E27FC236}">
-                <a16:creationId xmlns:a16="http://schemas.microsoft.com/office/drawing/2014/main" id="{A3898105-D27B-4249-AD0C-B6E1B12A1C00}"/>
+                <a16:creationId xmlns:a16="http://schemas.microsoft.com/office/drawing/2014/main" xmlns="" id="{A3898105-D27B-4249-AD0C-B6E1B12A1C00}"/>
               </a:ext>
             </a:extLst>
           </p:cNvPr>
@@ -4593,7 +5766,7 @@
             <a:hlinkClick r:id="rId2"/>
             <a:extLst>
               <a:ext uri="{FF2B5EF4-FFF2-40B4-BE49-F238E27FC236}">
-                <a16:creationId xmlns:a16="http://schemas.microsoft.com/office/drawing/2014/main" id="{BE7AFC00-D0C3-4AC5-BD68-32909A935FC1}"/>
+                <a16:creationId xmlns:a16="http://schemas.microsoft.com/office/drawing/2014/main" xmlns="" id="{BE7AFC00-D0C3-4AC5-BD68-32909A935FC1}"/>
               </a:ext>
             </a:extLst>
           </p:cNvPr>
@@ -4653,7 +5826,7 @@
           <p:cNvPr id="2" name="Título 1">
             <a:extLst>
               <a:ext uri="{FF2B5EF4-FFF2-40B4-BE49-F238E27FC236}">
-                <a16:creationId xmlns:a16="http://schemas.microsoft.com/office/drawing/2014/main" id="{B65EE8AE-FFA2-40D6-9AC8-1AB2046820E5}"/>
+                <a16:creationId xmlns:a16="http://schemas.microsoft.com/office/drawing/2014/main" xmlns="" id="{B65EE8AE-FFA2-40D6-9AC8-1AB2046820E5}"/>
               </a:ext>
             </a:extLst>
           </p:cNvPr>
@@ -4694,7 +5867,7 @@
           <p:cNvPr id="3" name="Marcador de contenido 2">
             <a:extLst>
               <a:ext uri="{FF2B5EF4-FFF2-40B4-BE49-F238E27FC236}">
-                <a16:creationId xmlns:a16="http://schemas.microsoft.com/office/drawing/2014/main" id="{FE29755C-571B-49E3-80B9-A3CE344AD2FB}"/>
+                <a16:creationId xmlns:a16="http://schemas.microsoft.com/office/drawing/2014/main" xmlns="" id="{FE29755C-571B-49E3-80B9-A3CE344AD2FB}"/>
               </a:ext>
             </a:extLst>
           </p:cNvPr>
@@ -5874,7 +7047,7 @@
           <p:cNvPr id="2" name="Título 1">
             <a:extLst>
               <a:ext uri="{FF2B5EF4-FFF2-40B4-BE49-F238E27FC236}">
-                <a16:creationId xmlns:a16="http://schemas.microsoft.com/office/drawing/2014/main" id="{2AB9132F-8CD7-4CC3-8BB6-64E82BB00C8A}"/>
+                <a16:creationId xmlns:a16="http://schemas.microsoft.com/office/drawing/2014/main" xmlns="" id="{2AB9132F-8CD7-4CC3-8BB6-64E82BB00C8A}"/>
               </a:ext>
             </a:extLst>
           </p:cNvPr>
@@ -5911,7 +7084,7 @@
           <p:cNvPr id="3" name="Marcador de contenido 2">
             <a:extLst>
               <a:ext uri="{FF2B5EF4-FFF2-40B4-BE49-F238E27FC236}">
-                <a16:creationId xmlns:a16="http://schemas.microsoft.com/office/drawing/2014/main" id="{DAA6E9EB-F30F-4C4E-BEBD-3A38783C18D1}"/>
+                <a16:creationId xmlns:a16="http://schemas.microsoft.com/office/drawing/2014/main" xmlns="" id="{DAA6E9EB-F30F-4C4E-BEBD-3A38783C18D1}"/>
               </a:ext>
             </a:extLst>
           </p:cNvPr>
@@ -6022,7 +7195,7 @@
           <p:cNvPr id="2" name="Título 1">
             <a:extLst>
               <a:ext uri="{FF2B5EF4-FFF2-40B4-BE49-F238E27FC236}">
-                <a16:creationId xmlns:a16="http://schemas.microsoft.com/office/drawing/2014/main" id="{FFB8EBF2-DCEF-4454-90F5-C7926F3B0427}"/>
+                <a16:creationId xmlns:a16="http://schemas.microsoft.com/office/drawing/2014/main" xmlns="" id="{FFB8EBF2-DCEF-4454-90F5-C7926F3B0427}"/>
               </a:ext>
             </a:extLst>
           </p:cNvPr>
@@ -6070,7 +7243,7 @@
           <p:cNvPr id="3" name="Marcador de contenido 2">
             <a:extLst>
               <a:ext uri="{FF2B5EF4-FFF2-40B4-BE49-F238E27FC236}">
-                <a16:creationId xmlns:a16="http://schemas.microsoft.com/office/drawing/2014/main" id="{357E982E-4209-487E-9805-F42223F3AA8E}"/>
+                <a16:creationId xmlns:a16="http://schemas.microsoft.com/office/drawing/2014/main" xmlns="" id="{357E982E-4209-487E-9805-F42223F3AA8E}"/>
               </a:ext>
             </a:extLst>
           </p:cNvPr>
@@ -6319,7 +7492,7 @@
           <p:cNvPr id="2" name="Título 1">
             <a:extLst>
               <a:ext uri="{FF2B5EF4-FFF2-40B4-BE49-F238E27FC236}">
-                <a16:creationId xmlns:a16="http://schemas.microsoft.com/office/drawing/2014/main" id="{86A019E2-24B9-4B4A-931D-D3ADA774A819}"/>
+                <a16:creationId xmlns:a16="http://schemas.microsoft.com/office/drawing/2014/main" xmlns="" id="{86A019E2-24B9-4B4A-931D-D3ADA774A819}"/>
               </a:ext>
             </a:extLst>
           </p:cNvPr>
@@ -6356,7 +7529,7 @@
           <p:cNvPr id="3" name="Marcador de contenido 2">
             <a:extLst>
               <a:ext uri="{FF2B5EF4-FFF2-40B4-BE49-F238E27FC236}">
-                <a16:creationId xmlns:a16="http://schemas.microsoft.com/office/drawing/2014/main" id="{13457652-BE01-4DDB-9A9D-9404EA9ED346}"/>
+                <a16:creationId xmlns:a16="http://schemas.microsoft.com/office/drawing/2014/main" xmlns="" id="{13457652-BE01-4DDB-9A9D-9404EA9ED346}"/>
               </a:ext>
             </a:extLst>
           </p:cNvPr>
@@ -6752,6 +7925,10 @@
                 <a:sym typeface="Wingdings" panose="05000000000000000000" pitchFamily="2" charset="2"/>
               </a:rPr>
               <a:t>  </a:t>
+            </a:r>
+            <a:r>
+              <a:rPr lang="en-US" dirty="0"/>
+              <a:t/>
             </a:r>
             <a:br>
               <a:rPr lang="en-US" dirty="0"/>
@@ -6795,7 +7972,7 @@
           <p:cNvPr id="2" name="Título 1">
             <a:extLst>
               <a:ext uri="{FF2B5EF4-FFF2-40B4-BE49-F238E27FC236}">
-                <a16:creationId xmlns:a16="http://schemas.microsoft.com/office/drawing/2014/main" id="{D62828CB-A648-4E26-BE14-EF0B8CC92327}"/>
+                <a16:creationId xmlns:a16="http://schemas.microsoft.com/office/drawing/2014/main" xmlns="" id="{D62828CB-A648-4E26-BE14-EF0B8CC92327}"/>
               </a:ext>
             </a:extLst>
           </p:cNvPr>
@@ -6832,7 +8009,7 @@
           <p:cNvPr id="3" name="Marcador de contenido 2">
             <a:extLst>
               <a:ext uri="{FF2B5EF4-FFF2-40B4-BE49-F238E27FC236}">
-                <a16:creationId xmlns:a16="http://schemas.microsoft.com/office/drawing/2014/main" id="{A912B85D-FC32-4FD4-B3E6-BA5FF0FB0110}"/>
+                <a16:creationId xmlns:a16="http://schemas.microsoft.com/office/drawing/2014/main" xmlns="" id="{A912B85D-FC32-4FD4-B3E6-BA5FF0FB0110}"/>
               </a:ext>
             </a:extLst>
           </p:cNvPr>
@@ -6958,7 +8135,7 @@
           <p:cNvPr id="4" name="Marcador de contenido 3">
             <a:extLst>
               <a:ext uri="{FF2B5EF4-FFF2-40B4-BE49-F238E27FC236}">
-                <a16:creationId xmlns:a16="http://schemas.microsoft.com/office/drawing/2014/main" id="{6BEF8DA0-0AB2-4C6D-9E8C-BD99808326BF}"/>
+                <a16:creationId xmlns:a16="http://schemas.microsoft.com/office/drawing/2014/main" xmlns="" id="{6BEF8DA0-0AB2-4C6D-9E8C-BD99808326BF}"/>
               </a:ext>
             </a:extLst>
           </p:cNvPr>
@@ -7118,7 +8295,7 @@
           <p:cNvPr id="2" name="Título 1">
             <a:extLst>
               <a:ext uri="{FF2B5EF4-FFF2-40B4-BE49-F238E27FC236}">
-                <a16:creationId xmlns:a16="http://schemas.microsoft.com/office/drawing/2014/main" id="{D62828CB-A648-4E26-BE14-EF0B8CC92327}"/>
+                <a16:creationId xmlns:a16="http://schemas.microsoft.com/office/drawing/2014/main" xmlns="" id="{D62828CB-A648-4E26-BE14-EF0B8CC92327}"/>
               </a:ext>
             </a:extLst>
           </p:cNvPr>
@@ -7155,7 +8332,7 @@
           <p:cNvPr id="3" name="Marcador de contenido 2">
             <a:extLst>
               <a:ext uri="{FF2B5EF4-FFF2-40B4-BE49-F238E27FC236}">
-                <a16:creationId xmlns:a16="http://schemas.microsoft.com/office/drawing/2014/main" id="{A912B85D-FC32-4FD4-B3E6-BA5FF0FB0110}"/>
+                <a16:creationId xmlns:a16="http://schemas.microsoft.com/office/drawing/2014/main" xmlns="" id="{A912B85D-FC32-4FD4-B3E6-BA5FF0FB0110}"/>
               </a:ext>
             </a:extLst>
           </p:cNvPr>
@@ -7276,7 +8453,7 @@
           <p:cNvPr id="4" name="Marcador de contenido 3">
             <a:extLst>
               <a:ext uri="{FF2B5EF4-FFF2-40B4-BE49-F238E27FC236}">
-                <a16:creationId xmlns:a16="http://schemas.microsoft.com/office/drawing/2014/main" id="{6BEF8DA0-0AB2-4C6D-9E8C-BD99808326BF}"/>
+                <a16:creationId xmlns:a16="http://schemas.microsoft.com/office/drawing/2014/main" xmlns="" id="{6BEF8DA0-0AB2-4C6D-9E8C-BD99808326BF}"/>
               </a:ext>
             </a:extLst>
           </p:cNvPr>
